--- a/slides/2020/09/2020-09-30-rcm-frm-procedures.pptx
+++ b/slides/2020/09/2020-09-30-rcm-frm-procedures.pptx
@@ -118,6 +118,11 @@
       </a:defRPr>
     </a:lvl9pPr>
   </p:defaultTextStyle>
+  <p:extLst>
+    <p:ext uri="{EFAFB233-063F-42B5-8137-9DF3F51BA10A}">
+      <p15:sldGuideLst xmlns:p15="http://schemas.microsoft.com/office/powerpoint/2012/main"/>
+    </p:ext>
+  </p:extLst>
 </p:presentation>
 </file>
 
@@ -260,7 +265,7 @@
           <a:p>
             <a:fld id="{35E2408E-A087-8D43-A497-FDCC91DD0CD2}" type="datetimeFigureOut">
               <a:rPr lang="en-US" smtClean="0"/>
-              <a:t>9/28/20</a:t>
+              <a:t>10/7/20</a:t>
             </a:fld>
             <a:endParaRPr lang="en-US"/>
           </a:p>
@@ -471,7 +476,7 @@
           <a:p>
             <a:fld id="{35E2408E-A087-8D43-A497-FDCC91DD0CD2}" type="datetimeFigureOut">
               <a:rPr lang="en-US" smtClean="0"/>
-              <a:t>9/28/20</a:t>
+              <a:t>10/7/20</a:t>
             </a:fld>
             <a:endParaRPr lang="en-US"/>
           </a:p>
@@ -686,7 +691,7 @@
           <a:p>
             <a:fld id="{35E2408E-A087-8D43-A497-FDCC91DD0CD2}" type="datetimeFigureOut">
               <a:rPr lang="en-US" smtClean="0"/>
-              <a:t>9/28/20</a:t>
+              <a:t>10/7/20</a:t>
             </a:fld>
             <a:endParaRPr lang="en-US"/>
           </a:p>
@@ -887,7 +892,7 @@
           <a:p>
             <a:fld id="{35E2408E-A087-8D43-A497-FDCC91DD0CD2}" type="datetimeFigureOut">
               <a:rPr lang="en-US" smtClean="0"/>
-              <a:t>9/28/20</a:t>
+              <a:t>10/7/20</a:t>
             </a:fld>
             <a:endParaRPr lang="en-US"/>
           </a:p>
@@ -1166,7 +1171,7 @@
           <a:p>
             <a:fld id="{35E2408E-A087-8D43-A497-FDCC91DD0CD2}" type="datetimeFigureOut">
               <a:rPr lang="en-US" smtClean="0"/>
-              <a:t>9/28/20</a:t>
+              <a:t>10/7/20</a:t>
             </a:fld>
             <a:endParaRPr lang="en-US"/>
           </a:p>
@@ -1434,7 +1439,7 @@
           <a:p>
             <a:fld id="{35E2408E-A087-8D43-A497-FDCC91DD0CD2}" type="datetimeFigureOut">
               <a:rPr lang="en-US" smtClean="0"/>
-              <a:t>9/28/20</a:t>
+              <a:t>10/7/20</a:t>
             </a:fld>
             <a:endParaRPr lang="en-US"/>
           </a:p>
@@ -1855,7 +1860,7 @@
           <a:p>
             <a:fld id="{35E2408E-A087-8D43-A497-FDCC91DD0CD2}" type="datetimeFigureOut">
               <a:rPr lang="en-US" smtClean="0"/>
-              <a:t>9/28/20</a:t>
+              <a:t>10/7/20</a:t>
             </a:fld>
             <a:endParaRPr lang="en-US"/>
           </a:p>
@@ -2009,7 +2014,7 @@
           <a:p>
             <a:fld id="{35E2408E-A087-8D43-A497-FDCC91DD0CD2}" type="datetimeFigureOut">
               <a:rPr lang="en-US" smtClean="0"/>
-              <a:t>9/28/20</a:t>
+              <a:t>10/7/20</a:t>
             </a:fld>
             <a:endParaRPr lang="en-US"/>
           </a:p>
@@ -2135,7 +2140,7 @@
           <a:p>
             <a:fld id="{35E2408E-A087-8D43-A497-FDCC91DD0CD2}" type="datetimeFigureOut">
               <a:rPr lang="en-US" smtClean="0"/>
-              <a:t>9/28/20</a:t>
+              <a:t>10/7/20</a:t>
             </a:fld>
             <a:endParaRPr lang="en-US"/>
           </a:p>
@@ -2386,7 +2391,7 @@
           <a:p>
             <a:fld id="{35E2408E-A087-8D43-A497-FDCC91DD0CD2}" type="datetimeFigureOut">
               <a:rPr lang="en-US" smtClean="0"/>
-              <a:t>9/28/20</a:t>
+              <a:t>10/7/20</a:t>
             </a:fld>
             <a:endParaRPr lang="en-US"/>
           </a:p>
@@ -2836,7 +2841,7 @@
           <a:p>
             <a:fld id="{35E2408E-A087-8D43-A497-FDCC91DD0CD2}" type="datetimeFigureOut">
               <a:rPr lang="en-US" smtClean="0"/>
-              <a:t>9/28/20</a:t>
+              <a:t>10/7/20</a:t>
             </a:fld>
             <a:endParaRPr lang="en-US"/>
           </a:p>
@@ -3163,7 +3168,7 @@
           <a:p>
             <a:fld id="{35E2408E-A087-8D43-A497-FDCC91DD0CD2}" type="datetimeFigureOut">
               <a:rPr lang="en-US" smtClean="0"/>
-              <a:t>9/28/20</a:t>
+              <a:t>10/7/20</a:t>
             </a:fld>
             <a:endParaRPr lang="en-US"/>
           </a:p>
@@ -3812,21 +3817,21 @@
             <a:pPr lvl="1"/>
             <a:r>
               <a:rPr lang="en-US" dirty="0"/>
-              <a:t>Anything that was officially voted at the previous meeting goes into the mpi-4.x branch.</a:t>
+              <a:t>Anything that was officially voted in at the previous meeting goes into the mpi-4.x branch.</a:t>
             </a:r>
           </a:p>
           <a:p>
             <a:pPr lvl="1"/>
             <a:r>
               <a:rPr lang="en-US" dirty="0"/>
-              <a:t>Anything that still needs a vote goes into the draft branch.</a:t>
+              <a:t>Anything that still needs a vote goes into the mpi-4-rc branch.</a:t>
             </a:r>
           </a:p>
           <a:p>
             <a:pPr lvl="1"/>
             <a:r>
               <a:rPr lang="en-US" dirty="0"/>
-              <a:t>The draft branch should be based on (or merged with) the mpi-4.x branch.</a:t>
+              <a:t>The mpi-4-rc branch should be based on (or merged with) the mpi-4.x branch.</a:t>
             </a:r>
           </a:p>
         </p:txBody>
@@ -8723,7 +8728,15 @@
             <a:pPr algn="ctr"/>
             <a:r>
               <a:rPr lang="en-US" dirty="0"/>
-              <a:t>(no-no at RCM)</a:t>
+              <a:t>(chap. </a:t>
+            </a:r>
+            <a:r>
+              <a:rPr lang="en-US" dirty="0" err="1"/>
+              <a:t>cmte</a:t>
+            </a:r>
+            <a:r>
+              <a:rPr lang="en-US" dirty="0"/>
+              <a:t>. changes at RCM)</a:t>
             </a:r>
           </a:p>
           <a:p>

--- a/slides/2020/09/2020-09-30-rcm-frm-procedures.pptx
+++ b/slides/2020/09/2020-09-30-rcm-frm-procedures.pptx
@@ -265,7 +265,7 @@
           <a:p>
             <a:fld id="{35E2408E-A087-8D43-A497-FDCC91DD0CD2}" type="datetimeFigureOut">
               <a:rPr lang="en-US" smtClean="0"/>
-              <a:t>10/7/20</a:t>
+              <a:t>12/10/20</a:t>
             </a:fld>
             <a:endParaRPr lang="en-US"/>
           </a:p>
@@ -476,7 +476,7 @@
           <a:p>
             <a:fld id="{35E2408E-A087-8D43-A497-FDCC91DD0CD2}" type="datetimeFigureOut">
               <a:rPr lang="en-US" smtClean="0"/>
-              <a:t>10/7/20</a:t>
+              <a:t>12/10/20</a:t>
             </a:fld>
             <a:endParaRPr lang="en-US"/>
           </a:p>
@@ -691,7 +691,7 @@
           <a:p>
             <a:fld id="{35E2408E-A087-8D43-A497-FDCC91DD0CD2}" type="datetimeFigureOut">
               <a:rPr lang="en-US" smtClean="0"/>
-              <a:t>10/7/20</a:t>
+              <a:t>12/10/20</a:t>
             </a:fld>
             <a:endParaRPr lang="en-US"/>
           </a:p>
@@ -892,7 +892,7 @@
           <a:p>
             <a:fld id="{35E2408E-A087-8D43-A497-FDCC91DD0CD2}" type="datetimeFigureOut">
               <a:rPr lang="en-US" smtClean="0"/>
-              <a:t>10/7/20</a:t>
+              <a:t>12/10/20</a:t>
             </a:fld>
             <a:endParaRPr lang="en-US"/>
           </a:p>
@@ -1171,7 +1171,7 @@
           <a:p>
             <a:fld id="{35E2408E-A087-8D43-A497-FDCC91DD0CD2}" type="datetimeFigureOut">
               <a:rPr lang="en-US" smtClean="0"/>
-              <a:t>10/7/20</a:t>
+              <a:t>12/10/20</a:t>
             </a:fld>
             <a:endParaRPr lang="en-US"/>
           </a:p>
@@ -1439,7 +1439,7 @@
           <a:p>
             <a:fld id="{35E2408E-A087-8D43-A497-FDCC91DD0CD2}" type="datetimeFigureOut">
               <a:rPr lang="en-US" smtClean="0"/>
-              <a:t>10/7/20</a:t>
+              <a:t>12/10/20</a:t>
             </a:fld>
             <a:endParaRPr lang="en-US"/>
           </a:p>
@@ -1860,7 +1860,7 @@
           <a:p>
             <a:fld id="{35E2408E-A087-8D43-A497-FDCC91DD0CD2}" type="datetimeFigureOut">
               <a:rPr lang="en-US" smtClean="0"/>
-              <a:t>10/7/20</a:t>
+              <a:t>12/10/20</a:t>
             </a:fld>
             <a:endParaRPr lang="en-US"/>
           </a:p>
@@ -2014,7 +2014,7 @@
           <a:p>
             <a:fld id="{35E2408E-A087-8D43-A497-FDCC91DD0CD2}" type="datetimeFigureOut">
               <a:rPr lang="en-US" smtClean="0"/>
-              <a:t>10/7/20</a:t>
+              <a:t>12/10/20</a:t>
             </a:fld>
             <a:endParaRPr lang="en-US"/>
           </a:p>
@@ -2140,7 +2140,7 @@
           <a:p>
             <a:fld id="{35E2408E-A087-8D43-A497-FDCC91DD0CD2}" type="datetimeFigureOut">
               <a:rPr lang="en-US" smtClean="0"/>
-              <a:t>10/7/20</a:t>
+              <a:t>12/10/20</a:t>
             </a:fld>
             <a:endParaRPr lang="en-US"/>
           </a:p>
@@ -2391,7 +2391,7 @@
           <a:p>
             <a:fld id="{35E2408E-A087-8D43-A497-FDCC91DD0CD2}" type="datetimeFigureOut">
               <a:rPr lang="en-US" smtClean="0"/>
-              <a:t>10/7/20</a:t>
+              <a:t>12/10/20</a:t>
             </a:fld>
             <a:endParaRPr lang="en-US"/>
           </a:p>
@@ -2841,7 +2841,7 @@
           <a:p>
             <a:fld id="{35E2408E-A087-8D43-A497-FDCC91DD0CD2}" type="datetimeFigureOut">
               <a:rPr lang="en-US" smtClean="0"/>
-              <a:t>10/7/20</a:t>
+              <a:t>12/10/20</a:t>
             </a:fld>
             <a:endParaRPr lang="en-US"/>
           </a:p>
@@ -3168,7 +3168,7 @@
           <a:p>
             <a:fld id="{35E2408E-A087-8D43-A497-FDCC91DD0CD2}" type="datetimeFigureOut">
               <a:rPr lang="en-US" smtClean="0"/>
-              <a:t>10/7/20</a:t>
+              <a:t>12/10/20</a:t>
             </a:fld>
             <a:endParaRPr lang="en-US"/>
           </a:p>
@@ -10269,6 +10269,12 @@
             <a:r>
               <a:rPr lang="en-US" dirty="0"/>
               <a:t>Work with Bill to merge any changes (prior to errata vote at the FRM)</a:t>
+            </a:r>
+          </a:p>
+          <a:p>
+            <a:r>
+              <a:rPr lang="en-US" dirty="0"/>
+              <a:t>All PRs need to be posted by Jan 11 to give time for Bill to review and merge them.</a:t>
             </a:r>
           </a:p>
         </p:txBody>

--- a/slides/2020/09/2020-09-30-rcm-frm-procedures.pptx
+++ b/slides/2020/09/2020-09-30-rcm-frm-procedures.pptx
@@ -265,7 +265,7 @@
           <a:p>
             <a:fld id="{35E2408E-A087-8D43-A497-FDCC91DD0CD2}" type="datetimeFigureOut">
               <a:rPr lang="en-US" smtClean="0"/>
-              <a:t>12/10/20</a:t>
+              <a:t>12/16/20</a:t>
             </a:fld>
             <a:endParaRPr lang="en-US"/>
           </a:p>
@@ -476,7 +476,7 @@
           <a:p>
             <a:fld id="{35E2408E-A087-8D43-A497-FDCC91DD0CD2}" type="datetimeFigureOut">
               <a:rPr lang="en-US" smtClean="0"/>
-              <a:t>12/10/20</a:t>
+              <a:t>12/16/20</a:t>
             </a:fld>
             <a:endParaRPr lang="en-US"/>
           </a:p>
@@ -691,7 +691,7 @@
           <a:p>
             <a:fld id="{35E2408E-A087-8D43-A497-FDCC91DD0CD2}" type="datetimeFigureOut">
               <a:rPr lang="en-US" smtClean="0"/>
-              <a:t>12/10/20</a:t>
+              <a:t>12/16/20</a:t>
             </a:fld>
             <a:endParaRPr lang="en-US"/>
           </a:p>
@@ -892,7 +892,7 @@
           <a:p>
             <a:fld id="{35E2408E-A087-8D43-A497-FDCC91DD0CD2}" type="datetimeFigureOut">
               <a:rPr lang="en-US" smtClean="0"/>
-              <a:t>12/10/20</a:t>
+              <a:t>12/16/20</a:t>
             </a:fld>
             <a:endParaRPr lang="en-US"/>
           </a:p>
@@ -1171,7 +1171,7 @@
           <a:p>
             <a:fld id="{35E2408E-A087-8D43-A497-FDCC91DD0CD2}" type="datetimeFigureOut">
               <a:rPr lang="en-US" smtClean="0"/>
-              <a:t>12/10/20</a:t>
+              <a:t>12/16/20</a:t>
             </a:fld>
             <a:endParaRPr lang="en-US"/>
           </a:p>
@@ -1439,7 +1439,7 @@
           <a:p>
             <a:fld id="{35E2408E-A087-8D43-A497-FDCC91DD0CD2}" type="datetimeFigureOut">
               <a:rPr lang="en-US" smtClean="0"/>
-              <a:t>12/10/20</a:t>
+              <a:t>12/16/20</a:t>
             </a:fld>
             <a:endParaRPr lang="en-US"/>
           </a:p>
@@ -1860,7 +1860,7 @@
           <a:p>
             <a:fld id="{35E2408E-A087-8D43-A497-FDCC91DD0CD2}" type="datetimeFigureOut">
               <a:rPr lang="en-US" smtClean="0"/>
-              <a:t>12/10/20</a:t>
+              <a:t>12/16/20</a:t>
             </a:fld>
             <a:endParaRPr lang="en-US"/>
           </a:p>
@@ -2014,7 +2014,7 @@
           <a:p>
             <a:fld id="{35E2408E-A087-8D43-A497-FDCC91DD0CD2}" type="datetimeFigureOut">
               <a:rPr lang="en-US" smtClean="0"/>
-              <a:t>12/10/20</a:t>
+              <a:t>12/16/20</a:t>
             </a:fld>
             <a:endParaRPr lang="en-US"/>
           </a:p>
@@ -2140,7 +2140,7 @@
           <a:p>
             <a:fld id="{35E2408E-A087-8D43-A497-FDCC91DD0CD2}" type="datetimeFigureOut">
               <a:rPr lang="en-US" smtClean="0"/>
-              <a:t>12/10/20</a:t>
+              <a:t>12/16/20</a:t>
             </a:fld>
             <a:endParaRPr lang="en-US"/>
           </a:p>
@@ -2391,7 +2391,7 @@
           <a:p>
             <a:fld id="{35E2408E-A087-8D43-A497-FDCC91DD0CD2}" type="datetimeFigureOut">
               <a:rPr lang="en-US" smtClean="0"/>
-              <a:t>12/10/20</a:t>
+              <a:t>12/16/20</a:t>
             </a:fld>
             <a:endParaRPr lang="en-US"/>
           </a:p>
@@ -2841,7 +2841,7 @@
           <a:p>
             <a:fld id="{35E2408E-A087-8D43-A497-FDCC91DD0CD2}" type="datetimeFigureOut">
               <a:rPr lang="en-US" smtClean="0"/>
-              <a:t>12/10/20</a:t>
+              <a:t>12/16/20</a:t>
             </a:fld>
             <a:endParaRPr lang="en-US"/>
           </a:p>
@@ -3168,7 +3168,7 @@
           <a:p>
             <a:fld id="{35E2408E-A087-8D43-A497-FDCC91DD0CD2}" type="datetimeFigureOut">
               <a:rPr lang="en-US" smtClean="0"/>
-              <a:t>12/10/20</a:t>
+              <a:t>12/16/20</a:t>
             </a:fld>
             <a:endParaRPr lang="en-US"/>
           </a:p>
@@ -10225,7 +10225,7 @@
           <a:p>
             <a:r>
               <a:rPr lang="en-US" dirty="0"/>
-              <a:t>5 weeks before the FRM (Jan 18)</a:t>
+              <a:t>6 weeks before the FRM (Jan 11)</a:t>
             </a:r>
             <a:br>
               <a:rPr lang="en-US" dirty="0"/>
